--- a/JavaScript Chat Application.pptx
+++ b/JavaScript Chat Application.pptx
@@ -7,18 +7,19 @@
   <p:sldIdLst>
     <p:sldId id="256" r:id="rId2"/>
     <p:sldId id="257" r:id="rId3"/>
-    <p:sldId id="258" r:id="rId4"/>
-    <p:sldId id="259" r:id="rId5"/>
-    <p:sldId id="260" r:id="rId6"/>
-    <p:sldId id="261" r:id="rId7"/>
-    <p:sldId id="262" r:id="rId8"/>
-    <p:sldId id="263" r:id="rId9"/>
-    <p:sldId id="264" r:id="rId10"/>
-    <p:sldId id="265" r:id="rId11"/>
-    <p:sldId id="266" r:id="rId12"/>
-    <p:sldId id="267" r:id="rId13"/>
-    <p:sldId id="268" r:id="rId14"/>
-    <p:sldId id="269" r:id="rId15"/>
+    <p:sldId id="270" r:id="rId4"/>
+    <p:sldId id="258" r:id="rId5"/>
+    <p:sldId id="259" r:id="rId6"/>
+    <p:sldId id="260" r:id="rId7"/>
+    <p:sldId id="261" r:id="rId8"/>
+    <p:sldId id="262" r:id="rId9"/>
+    <p:sldId id="263" r:id="rId10"/>
+    <p:sldId id="264" r:id="rId11"/>
+    <p:sldId id="265" r:id="rId12"/>
+    <p:sldId id="266" r:id="rId13"/>
+    <p:sldId id="267" r:id="rId14"/>
+    <p:sldId id="268" r:id="rId15"/>
+    <p:sldId id="269" r:id="rId16"/>
   </p:sldIdLst>
   <p:sldSz cx="12192000" cy="6858000"/>
   <p:notesSz cx="6858000" cy="9144000"/>
@@ -117,6 +118,11 @@
       </a:defRPr>
     </a:lvl9pPr>
   </p:defaultTextStyle>
+  <p:extLst>
+    <p:ext uri="{EFAFB233-063F-42B5-8137-9DF3F51BA10A}">
+      <p15:sldGuideLst xmlns:p15="http://schemas.microsoft.com/office/powerpoint/2012/main"/>
+    </p:ext>
+  </p:extLst>
 </p:presentation>
 </file>
 
@@ -1095,7 +1101,7 @@
           <a:p>
             <a:fld id="{ED291B17-9318-49DB-B28B-6E5994AE9581}" type="datetime1">
               <a:rPr lang="en-US" smtClean="0"/>
-              <a:t>4/2/2023</a:t>
+              <a:t>4/4/2023</a:t>
             </a:fld>
             <a:endParaRPr lang="en-US" dirty="0"/>
           </a:p>
@@ -1298,7 +1304,7 @@
           <a:p>
             <a:fld id="{2CED4963-E985-44C4-B8C4-FDD613B7C2F8}" type="datetime1">
               <a:rPr lang="en-US" smtClean="0"/>
-              <a:t>4/2/2023</a:t>
+              <a:t>4/4/2023</a:t>
             </a:fld>
             <a:endParaRPr lang="en-US" dirty="0"/>
           </a:p>
@@ -1660,7 +1666,7 @@
           <a:p>
             <a:fld id="{ED291B17-9318-49DB-B28B-6E5994AE9581}" type="datetime1">
               <a:rPr lang="en-US" smtClean="0"/>
-              <a:t>4/2/2023</a:t>
+              <a:t>4/4/2023</a:t>
             </a:fld>
             <a:endParaRPr lang="en-US" dirty="0"/>
           </a:p>
@@ -1858,7 +1864,7 @@
           <a:p>
             <a:fld id="{78DD82B9-B8EE-4375-B6FF-88FA6ABB15D9}" type="datetime1">
               <a:rPr lang="en-US" smtClean="0"/>
-              <a:t>4/2/2023</a:t>
+              <a:t>4/4/2023</a:t>
             </a:fld>
             <a:endParaRPr lang="en-US" dirty="0"/>
           </a:p>
@@ -2170,7 +2176,7 @@
           <a:p>
             <a:fld id="{B2497495-0637-405E-AE64-5CC7506D51F5}" type="datetime1">
               <a:rPr lang="en-US" smtClean="0"/>
-              <a:t>4/2/2023</a:t>
+              <a:t>4/4/2023</a:t>
             </a:fld>
             <a:endParaRPr lang="en-US" dirty="0"/>
           </a:p>
@@ -2423,7 +2429,7 @@
           <a:p>
             <a:fld id="{7BFFD690-9426-415D-8B65-26881E07B2D4}" type="datetime1">
               <a:rPr lang="en-US" smtClean="0"/>
-              <a:t>4/2/2023</a:t>
+              <a:t>4/4/2023</a:t>
             </a:fld>
             <a:endParaRPr lang="en-US" dirty="0"/>
           </a:p>
@@ -2845,7 +2851,7 @@
           <a:p>
             <a:fld id="{04C4989A-474C-40DE-95B9-011C28B71673}" type="datetime1">
               <a:rPr lang="en-US" smtClean="0"/>
-              <a:t>4/2/2023</a:t>
+              <a:t>4/4/2023</a:t>
             </a:fld>
             <a:endParaRPr lang="en-US" dirty="0"/>
           </a:p>
@@ -2968,7 +2974,7 @@
           <a:p>
             <a:fld id="{5DB4ED54-5B5E-4A04-93D3-5772E3CE3818}" type="datetime1">
               <a:rPr lang="en-US" smtClean="0"/>
-              <a:t>4/2/2023</a:t>
+              <a:t>4/4/2023</a:t>
             </a:fld>
             <a:endParaRPr lang="en-US" dirty="0"/>
           </a:p>
@@ -3063,7 +3069,7 @@
           <a:p>
             <a:fld id="{4EDE50D6-574B-40AF-946F-D52A04ADE379}" type="datetime1">
               <a:rPr lang="en-US" smtClean="0"/>
-              <a:t>4/2/2023</a:t>
+              <a:t>4/4/2023</a:t>
             </a:fld>
             <a:endParaRPr lang="en-US" dirty="0"/>
           </a:p>
@@ -3440,7 +3446,7 @@
           <a:p>
             <a:fld id="{D82884F1-FFEA-405F-9602-3DCA865EDA4E}" type="datetime1">
               <a:rPr lang="en-US" smtClean="0"/>
-              <a:t>4/2/2023</a:t>
+              <a:t>4/4/2023</a:t>
             </a:fld>
             <a:endParaRPr lang="en-US" dirty="0"/>
           </a:p>
@@ -3733,7 +3739,7 @@
           <a:p>
             <a:fld id="{7E18DB4A-8810-4A10-AD5C-D5E2C667F5B3}" type="datetime1">
               <a:rPr lang="en-US" smtClean="0"/>
-              <a:t>4/2/2023</a:t>
+              <a:t>4/4/2023</a:t>
             </a:fld>
             <a:endParaRPr lang="en-US" dirty="0"/>
           </a:p>
@@ -3948,7 +3954,7 @@
           <a:p>
             <a:fld id="{ED291B17-9318-49DB-B28B-6E5994AE9581}" type="datetime1">
               <a:rPr lang="en-US" smtClean="0"/>
-              <a:t>4/2/2023</a:t>
+              <a:t>4/4/2023</a:t>
             </a:fld>
             <a:endParaRPr lang="en-US" dirty="0"/>
           </a:p>
@@ -4828,14 +4834,81 @@
           <a:lstStyle/>
           <a:p>
             <a:r>
-              <a:rPr lang="en-US">
+              <a:rPr lang="en-US" sz="2400" dirty="0">
                 <a:solidFill>
                   <a:srgbClr val="FFFFFF"/>
                 </a:solidFill>
               </a:rPr>
-              <a:t>JavaScript Chat Application</a:t>
-            </a:r>
-            <a:endParaRPr lang="bg-BG" dirty="0">
+              <a:t>“</a:t>
+            </a:r>
+            <a:r>
+              <a:rPr lang="en-US" sz="2400" b="1" u="sng" dirty="0">
+                <a:solidFill>
+                  <a:srgbClr val="FFFFFF"/>
+                </a:solidFill>
+              </a:rPr>
+              <a:t>Can I</a:t>
+            </a:r>
+            <a:r>
+              <a:rPr lang="en-US" sz="2400" dirty="0">
+                <a:solidFill>
+                  <a:srgbClr val="FFFFFF"/>
+                </a:solidFill>
+              </a:rPr>
+              <a:t> become a developer (WEB)?” </a:t>
+            </a:r>
+            <a:br>
+              <a:rPr lang="en-US" sz="2400" dirty="0">
+                <a:solidFill>
+                  <a:srgbClr val="FFFFFF"/>
+                </a:solidFill>
+              </a:rPr>
+            </a:br>
+            <a:br>
+              <a:rPr lang="en-US" sz="2400" dirty="0">
+                <a:solidFill>
+                  <a:srgbClr val="FFFFFF"/>
+                </a:solidFill>
+              </a:rPr>
+            </a:br>
+            <a:br>
+              <a:rPr lang="en-US" sz="2400" dirty="0">
+                <a:solidFill>
+                  <a:srgbClr val="FFFFFF"/>
+                </a:solidFill>
+              </a:rPr>
+            </a:br>
+            <a:r>
+              <a:rPr lang="en-US" sz="2400" dirty="0">
+                <a:solidFill>
+                  <a:srgbClr val="FFFFFF"/>
+                </a:solidFill>
+              </a:rPr>
+              <a:t>JavaScript Chat </a:t>
+            </a:r>
+            <a:br>
+              <a:rPr lang="en-US" sz="2400" dirty="0">
+                <a:solidFill>
+                  <a:srgbClr val="FFFFFF"/>
+                </a:solidFill>
+              </a:rPr>
+            </a:br>
+            <a:r>
+              <a:rPr lang="en-US" sz="2400" dirty="0">
+                <a:solidFill>
+                  <a:srgbClr val="FFFFFF"/>
+                </a:solidFill>
+              </a:rPr>
+              <a:t>Application</a:t>
+            </a:r>
+            <a:br>
+              <a:rPr lang="en-US" sz="2400" dirty="0">
+                <a:solidFill>
+                  <a:srgbClr val="FFFFFF"/>
+                </a:solidFill>
+              </a:rPr>
+            </a:br>
+            <a:endParaRPr lang="bg-BG" sz="2400" dirty="0">
               <a:solidFill>
                 <a:srgbClr val="FFFFFF"/>
               </a:solidFill>
@@ -5111,10 +5184,10 @@
       </p:sp>
       <p:pic>
         <p:nvPicPr>
-          <p:cNvPr id="5" name="Контейнер за съдържание 4" descr="Картина, която съдържа Уебсайт&#10;&#10;Описанието е генерирано автоматично">
+          <p:cNvPr id="5" name="Контейнер за съдържание 4">
             <a:extLst>
               <a:ext uri="{FF2B5EF4-FFF2-40B4-BE49-F238E27FC236}">
-                <a16:creationId xmlns:a16="http://schemas.microsoft.com/office/drawing/2014/main" id="{6BFB0697-2586-69CD-B932-1D4B4BC7F9A0}"/>
+                <a16:creationId xmlns:a16="http://schemas.microsoft.com/office/drawing/2014/main" id="{A3EFE327-E618-4CAD-F383-CF8A8D8A95BD}"/>
               </a:ext>
             </a:extLst>
           </p:cNvPr>
@@ -5139,8 +5212,8 @@
         </p:blipFill>
         <p:spPr>
           <a:xfrm>
-            <a:off x="-1" y="-1"/>
-            <a:ext cx="12191999" cy="6137337"/>
+            <a:off x="0" y="0"/>
+            <a:ext cx="12192000" cy="6118236"/>
           </a:xfrm>
         </p:spPr>
       </p:pic>
@@ -5149,7 +5222,7 @@
           <p:cNvPr id="6" name="Заглавие 1">
             <a:extLst>
               <a:ext uri="{FF2B5EF4-FFF2-40B4-BE49-F238E27FC236}">
-                <a16:creationId xmlns:a16="http://schemas.microsoft.com/office/drawing/2014/main" id="{6CD21663-5A87-B33B-BDCB-BA4D9AB8A4D7}"/>
+                <a16:creationId xmlns:a16="http://schemas.microsoft.com/office/drawing/2014/main" id="{99385F10-2B63-BD64-0BF5-C23D013A2043}"/>
               </a:ext>
             </a:extLst>
           </p:cNvPr>
@@ -5162,8 +5235,8 @@
         </p:nvSpPr>
         <p:spPr>
           <a:xfrm>
-            <a:off x="-3" y="6137336"/>
-            <a:ext cx="12192001" cy="729553"/>
+            <a:off x="-3" y="6118236"/>
+            <a:ext cx="12192001" cy="748653"/>
           </a:xfrm>
         </p:spPr>
         <p:txBody>
@@ -5179,7 +5252,7 @@
                   <a:schemeClr val="accent1"/>
                 </a:solidFill>
               </a:rPr>
-              <a:t>App overview – Settings Page</a:t>
+              <a:t>App overview – Register Page</a:t>
             </a:r>
             <a:endParaRPr lang="bg-BG" sz="4000" dirty="0">
               <a:solidFill>
@@ -5192,7 +5265,7 @@
     </p:spTree>
     <p:extLst>
       <p:ext uri="{BB962C8B-B14F-4D97-AF65-F5344CB8AC3E}">
-        <p14:creationId xmlns:p14="http://schemas.microsoft.com/office/powerpoint/2010/main" val="1798776267"/>
+        <p14:creationId xmlns:p14="http://schemas.microsoft.com/office/powerpoint/2010/main" val="3434070913"/>
       </p:ext>
     </p:extLst>
   </p:cSld>
@@ -5397,10 +5470,10 @@
       </p:sp>
       <p:pic>
         <p:nvPicPr>
-          <p:cNvPr id="5" name="Контейнер за съдържание 4" descr="Картина, която съдържа текст&#10;&#10;Описанието е генерирано автоматично">
+          <p:cNvPr id="5" name="Контейнер за съдържание 4" descr="Картина, която съдържа Уебсайт&#10;&#10;Описанието е генерирано автоматично">
             <a:extLst>
               <a:ext uri="{FF2B5EF4-FFF2-40B4-BE49-F238E27FC236}">
-                <a16:creationId xmlns:a16="http://schemas.microsoft.com/office/drawing/2014/main" id="{2EC9ABFF-8D48-88E5-6617-900B2740D814}"/>
+                <a16:creationId xmlns:a16="http://schemas.microsoft.com/office/drawing/2014/main" id="{6BFB0697-2586-69CD-B932-1D4B4BC7F9A0}"/>
               </a:ext>
             </a:extLst>
           </p:cNvPr>
@@ -5425,8 +5498,8 @@
         </p:blipFill>
         <p:spPr>
           <a:xfrm>
-            <a:off x="0" y="0"/>
-            <a:ext cx="12196386" cy="5850194"/>
+            <a:off x="-1" y="-1"/>
+            <a:ext cx="12191999" cy="6137337"/>
           </a:xfrm>
         </p:spPr>
       </p:pic>
@@ -5435,7 +5508,7 @@
           <p:cNvPr id="6" name="Заглавие 1">
             <a:extLst>
               <a:ext uri="{FF2B5EF4-FFF2-40B4-BE49-F238E27FC236}">
-                <a16:creationId xmlns:a16="http://schemas.microsoft.com/office/drawing/2014/main" id="{97BBB402-27E1-B27A-4314-01F1000F6E04}"/>
+                <a16:creationId xmlns:a16="http://schemas.microsoft.com/office/drawing/2014/main" id="{6CD21663-5A87-B33B-BDCB-BA4D9AB8A4D7}"/>
               </a:ext>
             </a:extLst>
           </p:cNvPr>
@@ -5448,8 +5521,8 @@
         </p:nvSpPr>
         <p:spPr>
           <a:xfrm>
-            <a:off x="-3" y="5857500"/>
-            <a:ext cx="12192001" cy="1009389"/>
+            <a:off x="-3" y="6137336"/>
+            <a:ext cx="12192001" cy="729553"/>
           </a:xfrm>
         </p:spPr>
         <p:txBody>
@@ -5465,7 +5538,7 @@
                   <a:schemeClr val="accent1"/>
                 </a:solidFill>
               </a:rPr>
-              <a:t>App overview – Chats Page</a:t>
+              <a:t>App overview – Settings Page</a:t>
             </a:r>
             <a:endParaRPr lang="bg-BG" sz="4000" dirty="0">
               <a:solidFill>
@@ -5478,7 +5551,7 @@
     </p:spTree>
     <p:extLst>
       <p:ext uri="{BB962C8B-B14F-4D97-AF65-F5344CB8AC3E}">
-        <p14:creationId xmlns:p14="http://schemas.microsoft.com/office/powerpoint/2010/main" val="4043333155"/>
+        <p14:creationId xmlns:p14="http://schemas.microsoft.com/office/powerpoint/2010/main" val="1798776267"/>
       </p:ext>
     </p:extLst>
   </p:cSld>
@@ -5575,71 +5648,6 @@
       </p:sp>
       <p:sp>
         <p:nvSpPr>
-          <p:cNvPr id="2" name="Заглавие 1">
-            <a:extLst>
-              <a:ext uri="{FF2B5EF4-FFF2-40B4-BE49-F238E27FC236}">
-                <a16:creationId xmlns:a16="http://schemas.microsoft.com/office/drawing/2014/main" id="{95054B10-F014-E1E2-9FC0-9463290BF533}"/>
-              </a:ext>
-            </a:extLst>
-          </p:cNvPr>
-          <p:cNvSpPr>
-            <a:spLocks noGrp="1"/>
-          </p:cNvSpPr>
-          <p:nvPr>
-            <p:ph type="title"/>
-          </p:nvPr>
-        </p:nvSpPr>
-        <p:spPr>
-          <a:xfrm>
-            <a:off x="581192" y="1124999"/>
-            <a:ext cx="11120073" cy="4608003"/>
-          </a:xfrm>
-        </p:spPr>
-        <p:txBody>
-          <a:bodyPr anchor="ctr">
-            <a:normAutofit/>
-          </a:bodyPr>
-          <a:lstStyle/>
-          <a:p>
-            <a:pPr algn="ctr"/>
-            <a:r>
-              <a:rPr lang="en-US" sz="4000" dirty="0">
-                <a:solidFill>
-                  <a:schemeClr val="accent1"/>
-                </a:solidFill>
-              </a:rPr>
-              <a:t>Live Demonstration</a:t>
-            </a:r>
-            <a:br>
-              <a:rPr lang="en-US" sz="4000" dirty="0">
-                <a:solidFill>
-                  <a:schemeClr val="accent1"/>
-                </a:solidFill>
-              </a:rPr>
-            </a:br>
-            <a:br>
-              <a:rPr lang="en-US" sz="4000" dirty="0">
-                <a:solidFill>
-                  <a:schemeClr val="accent1"/>
-                </a:solidFill>
-              </a:rPr>
-            </a:br>
-            <a:r>
-              <a:rPr lang="en-US" sz="4000" cap="none" dirty="0">
-                <a:hlinkClick r:id="rId2"/>
-              </a:rPr>
-              <a:t>https://krisdevbg.github.io/chatApp</a:t>
-            </a:r>
-            <a:endParaRPr lang="bg-BG" sz="4000" dirty="0">
-              <a:solidFill>
-                <a:schemeClr val="accent1"/>
-              </a:solidFill>
-            </a:endParaRPr>
-          </a:p>
-        </p:txBody>
-      </p:sp>
-      <p:sp>
-        <p:nvSpPr>
           <p:cNvPr id="10" name="Rectangle 9">
             <a:extLst>
               <a:ext uri="{FF2B5EF4-FFF2-40B4-BE49-F238E27FC236}">
@@ -5746,10 +5754,85 @@
           </a:fontRef>
         </p:style>
       </p:sp>
+      <p:sp>
+        <p:nvSpPr>
+          <p:cNvPr id="6" name="Заглавие 1">
+            <a:extLst>
+              <a:ext uri="{FF2B5EF4-FFF2-40B4-BE49-F238E27FC236}">
+                <a16:creationId xmlns:a16="http://schemas.microsoft.com/office/drawing/2014/main" id="{97BBB402-27E1-B27A-4314-01F1000F6E04}"/>
+              </a:ext>
+            </a:extLst>
+          </p:cNvPr>
+          <p:cNvSpPr>
+            <a:spLocks noGrp="1"/>
+          </p:cNvSpPr>
+          <p:nvPr>
+            <p:ph type="title"/>
+          </p:nvPr>
+        </p:nvSpPr>
+        <p:spPr>
+          <a:xfrm>
+            <a:off x="-3" y="5857500"/>
+            <a:ext cx="12192001" cy="1009389"/>
+          </a:xfrm>
+        </p:spPr>
+        <p:txBody>
+          <a:bodyPr anchor="ctr">
+            <a:normAutofit/>
+          </a:bodyPr>
+          <a:lstStyle/>
+          <a:p>
+            <a:pPr algn="ctr"/>
+            <a:r>
+              <a:rPr lang="en-US" sz="4000" dirty="0">
+                <a:solidFill>
+                  <a:schemeClr val="accent1"/>
+                </a:solidFill>
+              </a:rPr>
+              <a:t>App overview – Chats Page</a:t>
+            </a:r>
+            <a:endParaRPr lang="bg-BG" sz="4000" dirty="0">
+              <a:solidFill>
+                <a:schemeClr val="accent1"/>
+              </a:solidFill>
+            </a:endParaRPr>
+          </a:p>
+        </p:txBody>
+      </p:sp>
+      <p:pic>
+        <p:nvPicPr>
+          <p:cNvPr id="7" name="Картина 6">
+            <a:extLst>
+              <a:ext uri="{FF2B5EF4-FFF2-40B4-BE49-F238E27FC236}">
+                <a16:creationId xmlns:a16="http://schemas.microsoft.com/office/drawing/2014/main" id="{6F5A5340-1993-233B-98E2-6D3B6E0E268A}"/>
+              </a:ext>
+            </a:extLst>
+          </p:cNvPr>
+          <p:cNvPicPr>
+            <a:picLocks noChangeAspect="1"/>
+          </p:cNvPicPr>
+          <p:nvPr/>
+        </p:nvPicPr>
+        <p:blipFill>
+          <a:blip r:embed="rId2"/>
+          <a:stretch>
+            <a:fillRect/>
+          </a:stretch>
+        </p:blipFill>
+        <p:spPr>
+          <a:xfrm>
+            <a:off x="0" y="0"/>
+            <a:ext cx="12192000" cy="5848092"/>
+          </a:xfrm>
+          <a:prstGeom prst="rect">
+            <a:avLst/>
+          </a:prstGeom>
+        </p:spPr>
+      </p:pic>
     </p:spTree>
     <p:extLst>
       <p:ext uri="{BB962C8B-B14F-4D97-AF65-F5344CB8AC3E}">
-        <p14:creationId xmlns:p14="http://schemas.microsoft.com/office/powerpoint/2010/main" val="881943244"/>
+        <p14:creationId xmlns:p14="http://schemas.microsoft.com/office/powerpoint/2010/main" val="4043333155"/>
       </p:ext>
     </p:extLst>
   </p:cSld>
@@ -5849,7 +5932,7 @@
           <p:cNvPr id="2" name="Заглавие 1">
             <a:extLst>
               <a:ext uri="{FF2B5EF4-FFF2-40B4-BE49-F238E27FC236}">
-                <a16:creationId xmlns:a16="http://schemas.microsoft.com/office/drawing/2014/main" id="{D430273A-FC0E-88BD-2E43-3A4D366C36C2}"/>
+                <a16:creationId xmlns:a16="http://schemas.microsoft.com/office/drawing/2014/main" id="{95054B10-F014-E1E2-9FC0-9463290BF533}"/>
               </a:ext>
             </a:extLst>
           </p:cNvPr>
@@ -5863,7 +5946,7 @@
         <p:spPr>
           <a:xfrm>
             <a:off x="581192" y="1124999"/>
-            <a:ext cx="4076149" cy="4608003"/>
+            <a:ext cx="11120073" cy="4608003"/>
           </a:xfrm>
         </p:spPr>
         <p:txBody>
@@ -5872,13 +5955,34 @@
           </a:bodyPr>
           <a:lstStyle/>
           <a:p>
+            <a:pPr algn="ctr"/>
             <a:r>
               <a:rPr lang="en-US" sz="4000" dirty="0">
                 <a:solidFill>
                   <a:schemeClr val="accent1"/>
                 </a:solidFill>
               </a:rPr>
-              <a:t>Conclusion</a:t>
+              <a:t>Live Demonstration</a:t>
+            </a:r>
+            <a:br>
+              <a:rPr lang="en-US" sz="4000" dirty="0">
+                <a:solidFill>
+                  <a:schemeClr val="accent1"/>
+                </a:solidFill>
+              </a:rPr>
+            </a:br>
+            <a:br>
+              <a:rPr lang="en-US" sz="4000" dirty="0">
+                <a:solidFill>
+                  <a:schemeClr val="accent1"/>
+                </a:solidFill>
+              </a:rPr>
+            </a:br>
+            <a:r>
+              <a:rPr lang="en-US" sz="4000" cap="none" dirty="0">
+                <a:hlinkClick r:id="rId2"/>
+              </a:rPr>
+              <a:t>https://kristiyanpts.github.io/chatApp/</a:t>
             </a:r>
             <a:endParaRPr lang="bg-BG" sz="4000" dirty="0">
               <a:solidFill>
@@ -5996,6 +6100,256 @@
           </a:fontRef>
         </p:style>
       </p:sp>
+    </p:spTree>
+    <p:extLst>
+      <p:ext uri="{BB962C8B-B14F-4D97-AF65-F5344CB8AC3E}">
+        <p14:creationId xmlns:p14="http://schemas.microsoft.com/office/powerpoint/2010/main" val="881943244"/>
+      </p:ext>
+    </p:extLst>
+  </p:cSld>
+  <p:clrMapOvr>
+    <a:overrideClrMapping bg1="dk1" tx1="lt1" bg2="dk2" tx2="lt2" accent1="accent1" accent2="accent2" accent3="accent3" accent4="accent4" accent5="accent5" accent6="accent6" hlink="hlink" folHlink="folHlink"/>
+  </p:clrMapOvr>
+</p:sld>
+</file>
+
+<file path=ppt/slides/slide14.xml><?xml version="1.0" encoding="utf-8"?>
+<p:sld xmlns:a="http://schemas.openxmlformats.org/drawingml/2006/main" xmlns:r="http://schemas.openxmlformats.org/officeDocument/2006/relationships" xmlns:p="http://schemas.openxmlformats.org/presentationml/2006/main">
+  <p:cSld>
+    <p:bg>
+      <p:bgPr>
+        <a:solidFill>
+          <a:schemeClr val="bg2"/>
+        </a:solidFill>
+        <a:effectLst/>
+      </p:bgPr>
+    </p:bg>
+    <p:spTree>
+      <p:nvGrpSpPr>
+        <p:cNvPr id="1" name=""/>
+        <p:cNvGrpSpPr/>
+        <p:nvPr/>
+      </p:nvGrpSpPr>
+      <p:grpSpPr>
+        <a:xfrm>
+          <a:off x="0" y="0"/>
+          <a:ext cx="0" cy="0"/>
+          <a:chOff x="0" y="0"/>
+          <a:chExt cx="0" cy="0"/>
+        </a:xfrm>
+      </p:grpSpPr>
+      <p:sp useBgFill="1">
+        <p:nvSpPr>
+          <p:cNvPr id="8" name="Rectangle 7">
+            <a:extLst>
+              <a:ext uri="{FF2B5EF4-FFF2-40B4-BE49-F238E27FC236}">
+                <a16:creationId xmlns:a16="http://schemas.microsoft.com/office/drawing/2014/main" id="{9B6B47BF-F3D0-4678-9B20-DA45E1BCAD6C}"/>
+              </a:ext>
+              <a:ext uri="{C183D7F6-B498-43B3-948B-1728B52AA6E4}">
+                <adec:decorative xmlns:adec="http://schemas.microsoft.com/office/drawing/2017/decorative" val="1"/>
+              </a:ext>
+            </a:extLst>
+          </p:cNvPr>
+          <p:cNvSpPr>
+            <a:spLocks noGrp="1" noRot="1" noChangeAspect="1" noMove="1" noResize="1" noEditPoints="1" noAdjustHandles="1" noChangeArrowheads="1" noChangeShapeType="1" noTextEdit="1"/>
+          </p:cNvSpPr>
+          <p:nvPr>
+            <p:extLst>
+              <p:ext uri="{386F3935-93C4-4BCD-93E2-E3B085C9AB24}">
+                <p16:designElem xmlns:p16="http://schemas.microsoft.com/office/powerpoint/2015/main" val="1"/>
+              </p:ext>
+            </p:extLst>
+          </p:nvPr>
+        </p:nvSpPr>
+        <p:spPr>
+          <a:xfrm>
+            <a:off x="0" y="0"/>
+            <a:ext cx="12192000" cy="6858000"/>
+          </a:xfrm>
+          <a:prstGeom prst="rect">
+            <a:avLst/>
+          </a:prstGeom>
+          <a:ln>
+            <a:noFill/>
+          </a:ln>
+        </p:spPr>
+        <p:style>
+          <a:lnRef idx="2">
+            <a:schemeClr val="accent1">
+              <a:shade val="50000"/>
+            </a:schemeClr>
+          </a:lnRef>
+          <a:fillRef idx="1">
+            <a:schemeClr val="accent1"/>
+          </a:fillRef>
+          <a:effectRef idx="0">
+            <a:schemeClr val="accent1"/>
+          </a:effectRef>
+          <a:fontRef idx="minor">
+            <a:schemeClr val="lt1"/>
+          </a:fontRef>
+        </p:style>
+        <p:txBody>
+          <a:bodyPr rtlCol="0" anchor="ctr"/>
+          <a:lstStyle/>
+          <a:p>
+            <a:pPr algn="ctr"/>
+            <a:endParaRPr lang="en-US"/>
+          </a:p>
+        </p:txBody>
+      </p:sp>
+      <p:sp>
+        <p:nvSpPr>
+          <p:cNvPr id="2" name="Заглавие 1">
+            <a:extLst>
+              <a:ext uri="{FF2B5EF4-FFF2-40B4-BE49-F238E27FC236}">
+                <a16:creationId xmlns:a16="http://schemas.microsoft.com/office/drawing/2014/main" id="{D430273A-FC0E-88BD-2E43-3A4D366C36C2}"/>
+              </a:ext>
+            </a:extLst>
+          </p:cNvPr>
+          <p:cNvSpPr>
+            <a:spLocks noGrp="1"/>
+          </p:cNvSpPr>
+          <p:nvPr>
+            <p:ph type="title"/>
+          </p:nvPr>
+        </p:nvSpPr>
+        <p:spPr>
+          <a:xfrm>
+            <a:off x="581192" y="1124999"/>
+            <a:ext cx="4076149" cy="4608003"/>
+          </a:xfrm>
+        </p:spPr>
+        <p:txBody>
+          <a:bodyPr anchor="ctr">
+            <a:normAutofit/>
+          </a:bodyPr>
+          <a:lstStyle/>
+          <a:p>
+            <a:r>
+              <a:rPr lang="en-US" sz="4000" dirty="0">
+                <a:solidFill>
+                  <a:schemeClr val="accent1"/>
+                </a:solidFill>
+              </a:rPr>
+              <a:t>Conclusion</a:t>
+            </a:r>
+            <a:endParaRPr lang="bg-BG" sz="4000" dirty="0">
+              <a:solidFill>
+                <a:schemeClr val="accent1"/>
+              </a:solidFill>
+            </a:endParaRPr>
+          </a:p>
+        </p:txBody>
+      </p:sp>
+      <p:sp>
+        <p:nvSpPr>
+          <p:cNvPr id="10" name="Rectangle 9">
+            <a:extLst>
+              <a:ext uri="{FF2B5EF4-FFF2-40B4-BE49-F238E27FC236}">
+                <a16:creationId xmlns:a16="http://schemas.microsoft.com/office/drawing/2014/main" id="{19334917-3673-4EF2-BA7C-CC83AEEEAE37}"/>
+              </a:ext>
+              <a:ext uri="{C183D7F6-B498-43B3-948B-1728B52AA6E4}">
+                <adec:decorative xmlns:adec="http://schemas.microsoft.com/office/drawing/2017/decorative" val="1"/>
+              </a:ext>
+            </a:extLst>
+          </p:cNvPr>
+          <p:cNvSpPr>
+            <a:spLocks noGrp="1" noRot="1" noChangeAspect="1" noMove="1" noResize="1" noEditPoints="1" noAdjustHandles="1" noChangeArrowheads="1" noChangeShapeType="1" noTextEdit="1"/>
+          </p:cNvSpPr>
+          <p:nvPr>
+            <p:extLst>
+              <p:ext uri="{386F3935-93C4-4BCD-93E2-E3B085C9AB24}">
+                <p16:designElem xmlns:p16="http://schemas.microsoft.com/office/powerpoint/2015/main" val="1"/>
+              </p:ext>
+            </p:extLst>
+          </p:nvPr>
+        </p:nvSpPr>
+        <p:spPr>
+          <a:xfrm>
+            <a:off x="455673" y="457200"/>
+            <a:ext cx="4206240" cy="94997"/>
+          </a:xfrm>
+          <a:prstGeom prst="rect">
+            <a:avLst/>
+          </a:prstGeom>
+          <a:solidFill>
+            <a:srgbClr val="969FA7"/>
+          </a:solidFill>
+          <a:ln>
+            <a:noFill/>
+          </a:ln>
+          <a:effectLst/>
+        </p:spPr>
+        <p:style>
+          <a:lnRef idx="1">
+            <a:schemeClr val="accent1"/>
+          </a:lnRef>
+          <a:fillRef idx="3">
+            <a:schemeClr val="accent1"/>
+          </a:fillRef>
+          <a:effectRef idx="2">
+            <a:schemeClr val="accent1"/>
+          </a:effectRef>
+          <a:fontRef idx="minor">
+            <a:schemeClr val="lt1"/>
+          </a:fontRef>
+        </p:style>
+      </p:sp>
+      <p:sp>
+        <p:nvSpPr>
+          <p:cNvPr id="12" name="Rectangle 11">
+            <a:extLst>
+              <a:ext uri="{FF2B5EF4-FFF2-40B4-BE49-F238E27FC236}">
+                <a16:creationId xmlns:a16="http://schemas.microsoft.com/office/drawing/2014/main" id="{E1589AE1-C0FC-4B66-9C0D-9EB92F40F440}"/>
+              </a:ext>
+              <a:ext uri="{C183D7F6-B498-43B3-948B-1728B52AA6E4}">
+                <adec:decorative xmlns:adec="http://schemas.microsoft.com/office/drawing/2017/decorative" val="1"/>
+              </a:ext>
+            </a:extLst>
+          </p:cNvPr>
+          <p:cNvSpPr>
+            <a:spLocks noGrp="1" noRot="1" noChangeAspect="1" noMove="1" noResize="1" noEditPoints="1" noAdjustHandles="1" noChangeArrowheads="1" noChangeShapeType="1" noTextEdit="1"/>
+          </p:cNvSpPr>
+          <p:nvPr>
+            <p:extLst>
+              <p:ext uri="{386F3935-93C4-4BCD-93E2-E3B085C9AB24}">
+                <p16:designElem xmlns:p16="http://schemas.microsoft.com/office/powerpoint/2015/main" val="1"/>
+              </p:ext>
+            </p:extLst>
+          </p:nvPr>
+        </p:nvSpPr>
+        <p:spPr>
+          <a:xfrm>
+            <a:off x="5117585" y="457200"/>
+            <a:ext cx="6583680" cy="91440"/>
+          </a:xfrm>
+          <a:prstGeom prst="rect">
+            <a:avLst/>
+          </a:prstGeom>
+          <a:solidFill>
+            <a:schemeClr val="accent1"/>
+          </a:solidFill>
+          <a:ln>
+            <a:noFill/>
+          </a:ln>
+          <a:effectLst/>
+        </p:spPr>
+        <p:style>
+          <a:lnRef idx="1">
+            <a:schemeClr val="accent1"/>
+          </a:lnRef>
+          <a:fillRef idx="3">
+            <a:schemeClr val="accent1"/>
+          </a:fillRef>
+          <a:effectRef idx="2">
+            <a:schemeClr val="accent1"/>
+          </a:effectRef>
+          <a:fontRef idx="minor">
+            <a:schemeClr val="lt1"/>
+          </a:fontRef>
+        </p:style>
+      </p:sp>
       <p:sp>
         <p:nvSpPr>
           <p:cNvPr id="3" name="Контейнер за съдържание 2">
@@ -6026,7 +6380,7 @@
           <a:p>
             <a:r>
               <a:rPr lang="en-US" sz="2000" dirty="0"/>
-              <a:t>Learning JS may seem hard, but it is like everything else. It will be hard in the beginning; however, it will be worth in the end.</a:t>
+              <a:t>Learning JS or any other language may seem hard, but it is like everything else. It will be hard in the beginning; however, it will be worth in the end.</a:t>
             </a:r>
           </a:p>
           <a:p>
@@ -6066,7 +6420,7 @@
 </p:sld>
 </file>
 
-<file path=ppt/slides/slide14.xml><?xml version="1.0" encoding="utf-8"?>
+<file path=ppt/slides/slide15.xml><?xml version="1.0" encoding="utf-8"?>
 <p:sld xmlns:a="http://schemas.openxmlformats.org/drawingml/2006/main" xmlns:r="http://schemas.openxmlformats.org/officeDocument/2006/relationships" xmlns:p="http://schemas.openxmlformats.org/presentationml/2006/main">
   <p:cSld>
     <p:bg>
@@ -6584,38 +6938,44 @@
           <a:p>
             <a:r>
               <a:rPr lang="en-US" sz="2000" dirty="0"/>
-              <a:t>What libraries/tools were used in the development process?</a:t>
+              <a:t>“Can I become a developer?” – Slide 3</a:t>
             </a:r>
           </a:p>
           <a:p>
             <a:r>
               <a:rPr lang="en-US" sz="2000" dirty="0"/>
-              <a:t>What is the point of the application?</a:t>
+              <a:t>What libraries/tools were used in the development process? – Slide 4</a:t>
             </a:r>
           </a:p>
           <a:p>
             <a:r>
               <a:rPr lang="en-US" sz="2000" dirty="0"/>
-              <a:t>How can you access the app?</a:t>
+              <a:t>What is the point of the application? – Slide 5</a:t>
+            </a:r>
+          </a:p>
+          <a:p>
+            <a:r>
+              <a:rPr lang="en-US" sz="2000" dirty="0"/>
+              <a:t>How can you access the app? – Slide 6</a:t>
             </a:r>
             <a:endParaRPr lang="bg-BG" sz="2000" dirty="0"/>
           </a:p>
           <a:p>
             <a:r>
               <a:rPr lang="en-US" sz="2000" dirty="0"/>
-              <a:t>Application Overview</a:t>
+              <a:t>Application Overview – Slide 7-12</a:t>
             </a:r>
           </a:p>
           <a:p>
             <a:r>
               <a:rPr lang="en-US" sz="2000" dirty="0"/>
-              <a:t>Live Demonstration</a:t>
+              <a:t>Live Demonstration – Slide 13</a:t>
             </a:r>
           </a:p>
           <a:p>
             <a:r>
               <a:rPr lang="en-US" sz="2000" dirty="0"/>
-              <a:t>Conclusion</a:t>
+              <a:t>Conclusion – Slide 14</a:t>
             </a:r>
           </a:p>
           <a:p>
@@ -6726,7 +7086,7 @@
           <p:cNvPr id="2" name="Заглавие 1">
             <a:extLst>
               <a:ext uri="{FF2B5EF4-FFF2-40B4-BE49-F238E27FC236}">
-                <a16:creationId xmlns:a16="http://schemas.microsoft.com/office/drawing/2014/main" id="{3FE6F07A-D751-16F8-D475-204D81194A68}"/>
+                <a16:creationId xmlns:a16="http://schemas.microsoft.com/office/drawing/2014/main" id="{7A75FF40-D4C4-0B7A-C692-C410BDC18E07}"/>
               </a:ext>
             </a:extLst>
           </p:cNvPr>
@@ -6749,13 +7109,21 @@
           </a:bodyPr>
           <a:lstStyle/>
           <a:p>
+            <a:r>
+              <a:rPr lang="en-US" sz="4000" b="1" u="sng" dirty="0">
+                <a:solidFill>
+                  <a:schemeClr val="accent1"/>
+                </a:solidFill>
+              </a:rPr>
+              <a:t>Can I</a:t>
+            </a:r>
             <a:r>
               <a:rPr lang="en-US" sz="4000" dirty="0">
                 <a:solidFill>
                   <a:schemeClr val="accent1"/>
                 </a:solidFill>
               </a:rPr>
-              <a:t>Libraries And Tools</a:t>
+              <a:t> become a developer?</a:t>
             </a:r>
             <a:endParaRPr lang="bg-BG" sz="4000" dirty="0">
               <a:solidFill>
@@ -6878,12 +7246,12 @@
           <p:cNvPr id="3" name="Контейнер за съдържание 2">
             <a:extLst>
               <a:ext uri="{FF2B5EF4-FFF2-40B4-BE49-F238E27FC236}">
-                <a16:creationId xmlns:a16="http://schemas.microsoft.com/office/drawing/2014/main" id="{6A38ACA7-FE5E-F694-ECE5-4E88A43A5B8C}"/>
+                <a16:creationId xmlns:a16="http://schemas.microsoft.com/office/drawing/2014/main" id="{6BD6584B-F3E8-2276-67D6-C12040D09A3B}"/>
               </a:ext>
             </a:extLst>
           </p:cNvPr>
           <p:cNvSpPr>
-            <a:spLocks/>
+            <a:spLocks noGrp="1"/>
           </p:cNvSpPr>
           <p:nvPr>
             <p:ph idx="1"/>
@@ -6892,69 +7260,61 @@
         <p:spPr>
           <a:xfrm>
             <a:off x="5117586" y="1124998"/>
-            <a:ext cx="6143248" cy="4608003"/>
+            <a:ext cx="6143248" cy="5275802"/>
           </a:xfrm>
         </p:spPr>
         <p:txBody>
           <a:bodyPr>
-            <a:normAutofit/>
+            <a:normAutofit lnSpcReduction="10000"/>
           </a:bodyPr>
           <a:lstStyle/>
           <a:p>
             <a:r>
-              <a:rPr lang="en-US" sz="2000" dirty="0">
-                <a:hlinkClick r:id="rId2"/>
-              </a:rPr>
-              <a:t>FireBase</a:t>
-            </a:r>
-            <a:r>
               <a:rPr lang="en-US" sz="2000" dirty="0"/>
-              <a:t> was used to handle the back-end of the application</a:t>
-            </a:r>
-            <a:endParaRPr lang="en-US" sz="1800" dirty="0"/>
-          </a:p>
-          <a:p>
-            <a:r>
-              <a:rPr lang="en-US" sz="1800" dirty="0">
-                <a:hlinkClick r:id="rId3"/>
-              </a:rPr>
-              <a:t>Page.js</a:t>
-            </a:r>
-            <a:r>
-              <a:rPr lang="en-US" sz="1800" dirty="0"/>
-              <a:t> was used for the routing throughout the SPA</a:t>
-            </a:r>
-          </a:p>
-          <a:p>
-            <a:r>
-              <a:rPr lang="en-US" sz="2000" dirty="0">
-                <a:hlinkClick r:id="rId4"/>
-              </a:rPr>
-              <a:t>lit-html</a:t>
-            </a:r>
+              <a:t>One of the most common question that a future developer can ask themselves</a:t>
+            </a:r>
+          </a:p>
+          <a:p>
             <a:r>
               <a:rPr lang="en-US" sz="2000" dirty="0"/>
-              <a:t> was used for rendering HTML templates</a:t>
-            </a:r>
-          </a:p>
-          <a:p>
-            <a:r>
-              <a:rPr lang="en-US" sz="2000" dirty="0">
-                <a:hlinkClick r:id="rId5"/>
-              </a:rPr>
-              <a:t>Webpack</a:t>
-            </a:r>
+              <a:t>Focus on the first two words</a:t>
+            </a:r>
+          </a:p>
+          <a:p>
             <a:r>
               <a:rPr lang="en-US" sz="2000" dirty="0"/>
-              <a:t> was used for bundling the modules/libraries into one file</a:t>
-            </a:r>
+              <a:t>Anyone can become a developer if they are motivated, can put up the time required and of course a laptop/computer.</a:t>
+            </a:r>
+          </a:p>
+          <a:p>
+            <a:r>
+              <a:rPr lang="en-US" sz="2000" dirty="0"/>
+              <a:t>There is one rule you must not break if you want to become a developer – </a:t>
+            </a:r>
+            <a:r>
+              <a:rPr lang="en-US" sz="2000" b="1" dirty="0"/>
+              <a:t>You mustn't quit!</a:t>
+            </a:r>
+          </a:p>
+          <a:p>
+            <a:r>
+              <a:rPr lang="en-US" sz="2000" dirty="0"/>
+              <a:t>If you don’t have the ability to learn a programming language at school, you can always take courses online.</a:t>
+            </a:r>
+          </a:p>
+          <a:p>
+            <a:r>
+              <a:rPr lang="en-US" sz="2000" dirty="0"/>
+              <a:t>YOU CAN DO IT!</a:t>
+            </a:r>
+            <a:endParaRPr lang="bg-BG" sz="2000" dirty="0"/>
           </a:p>
         </p:txBody>
       </p:sp>
     </p:spTree>
     <p:extLst>
       <p:ext uri="{BB962C8B-B14F-4D97-AF65-F5344CB8AC3E}">
-        <p14:creationId xmlns:p14="http://schemas.microsoft.com/office/powerpoint/2010/main" val="3358606171"/>
+        <p14:creationId xmlns:p14="http://schemas.microsoft.com/office/powerpoint/2010/main" val="1940675485"/>
       </p:ext>
     </p:extLst>
   </p:cSld>
@@ -7054,7 +7414,7 @@
           <p:cNvPr id="2" name="Заглавие 1">
             <a:extLst>
               <a:ext uri="{FF2B5EF4-FFF2-40B4-BE49-F238E27FC236}">
-                <a16:creationId xmlns:a16="http://schemas.microsoft.com/office/drawing/2014/main" id="{C17F72C8-8228-3B48-F785-690A00A050A0}"/>
+                <a16:creationId xmlns:a16="http://schemas.microsoft.com/office/drawing/2014/main" id="{3FE6F07A-D751-16F8-D475-204D81194A68}"/>
               </a:ext>
             </a:extLst>
           </p:cNvPr>
@@ -7078,14 +7438,14 @@
           <a:lstStyle/>
           <a:p>
             <a:r>
-              <a:rPr lang="en-US" sz="3200" dirty="0">
+              <a:rPr lang="en-US" sz="4000" dirty="0">
                 <a:solidFill>
                   <a:schemeClr val="accent1"/>
                 </a:solidFill>
               </a:rPr>
-              <a:t>What is the point of the application?</a:t>
-            </a:r>
-            <a:endParaRPr lang="bg-BG" sz="3200" dirty="0">
+              <a:t>Libraries And Tools</a:t>
+            </a:r>
+            <a:endParaRPr lang="bg-BG" sz="4000" dirty="0">
               <a:solidFill>
                 <a:schemeClr val="accent1"/>
               </a:solidFill>
@@ -7206,7 +7566,7 @@
           <p:cNvPr id="3" name="Контейнер за съдържание 2">
             <a:extLst>
               <a:ext uri="{FF2B5EF4-FFF2-40B4-BE49-F238E27FC236}">
-                <a16:creationId xmlns:a16="http://schemas.microsoft.com/office/drawing/2014/main" id="{9862685C-613E-1E48-1E74-26E4332FEB11}"/>
+                <a16:creationId xmlns:a16="http://schemas.microsoft.com/office/drawing/2014/main" id="{6A38ACA7-FE5E-F694-ECE5-4E88A43A5B8C}"/>
               </a:ext>
             </a:extLst>
           </p:cNvPr>
@@ -7225,34 +7585,64 @@
         </p:spPr>
         <p:txBody>
           <a:bodyPr>
-            <a:normAutofit fontScale="92500" lnSpcReduction="10000"/>
+            <a:normAutofit/>
           </a:bodyPr>
           <a:lstStyle/>
           <a:p>
             <a:r>
+              <a:rPr lang="en-US" sz="2000" dirty="0">
+                <a:hlinkClick r:id="rId2"/>
+              </a:rPr>
+              <a:t>FireBase</a:t>
+            </a:r>
+            <a:r>
               <a:rPr lang="en-US" sz="2000" dirty="0"/>
-              <a:t>The point of the app is to show what you can do with just 2 months of studying how to create a JS application and basic knowledge of HTML and CSS.</a:t>
-            </a:r>
-          </a:p>
-          <a:p>
+              <a:t> was used to handle the back-end of the application</a:t>
+            </a:r>
+            <a:endParaRPr lang="en-US" sz="1800" dirty="0"/>
+          </a:p>
+          <a:p>
+            <a:r>
+              <a:rPr lang="en-US" sz="1800" dirty="0">
+                <a:hlinkClick r:id="rId3"/>
+              </a:rPr>
+              <a:t>Page.js</a:t>
+            </a:r>
+            <a:r>
+              <a:rPr lang="en-US" sz="1800" dirty="0"/>
+              <a:t> was used for the routing throughout the SPA</a:t>
+            </a:r>
+          </a:p>
+          <a:p>
+            <a:r>
+              <a:rPr lang="en-US" sz="2000" dirty="0">
+                <a:hlinkClick r:id="rId4"/>
+              </a:rPr>
+              <a:t>lit-html</a:t>
+            </a:r>
             <a:r>
               <a:rPr lang="en-US" sz="2000" dirty="0"/>
-              <a:t>In just 2 months you can learn how to make and end-to-end application with all the features that your everyday app has such as user profile, profile customization etc.</a:t>
-            </a:r>
-          </a:p>
-          <a:p>
+              <a:t> was used for rendering HTML templates</a:t>
+            </a:r>
+          </a:p>
+          <a:p>
+            <a:r>
+              <a:rPr lang="en-US" sz="2000" dirty="0">
+                <a:hlinkClick r:id="rId5"/>
+              </a:rPr>
+              <a:t>Webpack</a:t>
+            </a:r>
             <a:r>
               <a:rPr lang="en-US" sz="2000" dirty="0"/>
-              <a:t>That’s exactly what I’ve done in the chat app. You can make your own account; you can create your own chats and invite your friends/co-workers by giving them the name and the password of your chat.</a:t>
-            </a:r>
-            <a:endParaRPr lang="bg-BG" sz="2000" dirty="0"/>
+              <a:t> was used for bundling the modules/libraries into one file</a:t>
+            </a:r>
           </a:p>
         </p:txBody>
       </p:sp>
     </p:spTree>
     <p:extLst>
       <p:ext uri="{BB962C8B-B14F-4D97-AF65-F5344CB8AC3E}">
-        <p14:creationId xmlns:p14="http://schemas.microsoft.com/office/powerpoint/2010/main" val="309049778"/>
+        <p14:creationId xmlns:p14="http://schemas.microsoft.com/office/powerpoint/2010/main" val="3358606171"/>
       </p:ext>
     </p:extLst>
   </p:cSld>
@@ -7352,7 +7742,7 @@
           <p:cNvPr id="2" name="Заглавие 1">
             <a:extLst>
               <a:ext uri="{FF2B5EF4-FFF2-40B4-BE49-F238E27FC236}">
-                <a16:creationId xmlns:a16="http://schemas.microsoft.com/office/drawing/2014/main" id="{5F92BCD2-380F-B131-C425-AC5A4234E01C}"/>
+                <a16:creationId xmlns:a16="http://schemas.microsoft.com/office/drawing/2014/main" id="{C17F72C8-8228-3B48-F785-690A00A050A0}"/>
               </a:ext>
             </a:extLst>
           </p:cNvPr>
@@ -7376,14 +7766,14 @@
           <a:lstStyle/>
           <a:p>
             <a:r>
-              <a:rPr lang="en-US" sz="3600" dirty="0">
+              <a:rPr lang="en-US" sz="3200" dirty="0">
                 <a:solidFill>
                   <a:schemeClr val="accent1"/>
                 </a:solidFill>
               </a:rPr>
-              <a:t>How can you access the app?</a:t>
-            </a:r>
-            <a:endParaRPr lang="bg-BG" sz="3600" dirty="0">
+              <a:t>What is the point of the application?</a:t>
+            </a:r>
+            <a:endParaRPr lang="bg-BG" sz="3200" dirty="0">
               <a:solidFill>
                 <a:schemeClr val="accent1"/>
               </a:solidFill>
@@ -7504,7 +7894,7 @@
           <p:cNvPr id="3" name="Контейнер за съдържание 2">
             <a:extLst>
               <a:ext uri="{FF2B5EF4-FFF2-40B4-BE49-F238E27FC236}">
-                <a16:creationId xmlns:a16="http://schemas.microsoft.com/office/drawing/2014/main" id="{62A128F6-E901-661C-1F19-FE7F6764AA48}"/>
+                <a16:creationId xmlns:a16="http://schemas.microsoft.com/office/drawing/2014/main" id="{9862685C-613E-1E48-1E74-26E4332FEB11}"/>
               </a:ext>
             </a:extLst>
           </p:cNvPr>
@@ -7523,32 +7913,25 @@
         </p:spPr>
         <p:txBody>
           <a:bodyPr>
-            <a:normAutofit/>
+            <a:normAutofit fontScale="92500" lnSpcReduction="10000"/>
           </a:bodyPr>
           <a:lstStyle/>
           <a:p>
             <a:r>
               <a:rPr lang="en-US" sz="2000" dirty="0"/>
-              <a:t>Link 1: </a:t>
-            </a:r>
-            <a:r>
-              <a:rPr lang="en-US" sz="2000" cap="none" dirty="0">
-                <a:hlinkClick r:id="rId2"/>
-              </a:rPr>
-              <a:t>https://krisdevbg.github.io/chatApp </a:t>
-            </a:r>
-            <a:endParaRPr lang="en-US" sz="2000" cap="none" dirty="0"/>
+              <a:t>The point of the app is to show what you can do with just 2 months of studying how to create a JS application and basic knowledge of HTML and CSS.</a:t>
+            </a:r>
           </a:p>
           <a:p>
             <a:r>
               <a:rPr lang="en-US" sz="2000" dirty="0"/>
-              <a:t>Link 2: </a:t>
-            </a:r>
-            <a:r>
-              <a:rPr lang="en-US" sz="2000" dirty="0">
-                <a:hlinkClick r:id="rId3"/>
-              </a:rPr>
-              <a:t>https://chat-app-22f2e.web.app/</a:t>
+              <a:t>In just 2 months you can learn how to make and end-to-end application with all the features that your everyday app has such as user profile, profile customization etc.</a:t>
+            </a:r>
+          </a:p>
+          <a:p>
+            <a:r>
+              <a:rPr lang="en-US" sz="2000" dirty="0"/>
+              <a:t>That’s exactly what I’ve done in the chat app. You can make your own account; you can create your own chats and invite your friends/co-workers by giving them the name and the password of your chat.</a:t>
             </a:r>
             <a:endParaRPr lang="bg-BG" sz="2000" dirty="0"/>
           </a:p>
@@ -7557,7 +7940,7 @@
     </p:spTree>
     <p:extLst>
       <p:ext uri="{BB962C8B-B14F-4D97-AF65-F5344CB8AC3E}">
-        <p14:creationId xmlns:p14="http://schemas.microsoft.com/office/powerpoint/2010/main" val="3000065678"/>
+        <p14:creationId xmlns:p14="http://schemas.microsoft.com/office/powerpoint/2010/main" val="309049778"/>
       </p:ext>
     </p:extLst>
   </p:cSld>
@@ -7657,7 +8040,7 @@
           <p:cNvPr id="2" name="Заглавие 1">
             <a:extLst>
               <a:ext uri="{FF2B5EF4-FFF2-40B4-BE49-F238E27FC236}">
-                <a16:creationId xmlns:a16="http://schemas.microsoft.com/office/drawing/2014/main" id="{ED7D7EB6-5EC6-1D68-1CD1-B5CCBDD7450D}"/>
+                <a16:creationId xmlns:a16="http://schemas.microsoft.com/office/drawing/2014/main" id="{5F92BCD2-380F-B131-C425-AC5A4234E01C}"/>
               </a:ext>
             </a:extLst>
           </p:cNvPr>
@@ -7670,8 +8053,8 @@
         </p:nvSpPr>
         <p:spPr>
           <a:xfrm>
-            <a:off x="-7974" y="5860025"/>
-            <a:ext cx="12192000" cy="997975"/>
+            <a:off x="581192" y="1124999"/>
+            <a:ext cx="4076149" cy="4608003"/>
           </a:xfrm>
         </p:spPr>
         <p:txBody>
@@ -7680,16 +8063,15 @@
           </a:bodyPr>
           <a:lstStyle/>
           <a:p>
-            <a:pPr algn="ctr"/>
-            <a:r>
-              <a:rPr lang="en-US" sz="4000" dirty="0">
+            <a:r>
+              <a:rPr lang="en-US" sz="3600" dirty="0">
                 <a:solidFill>
                   <a:schemeClr val="accent1"/>
                 </a:solidFill>
               </a:rPr>
-              <a:t>App overview – Home Page</a:t>
-            </a:r>
-            <a:endParaRPr lang="bg-BG" sz="4000" dirty="0">
+              <a:t>How can you access the app?</a:t>
+            </a:r>
+            <a:endParaRPr lang="bg-BG" sz="3600" dirty="0">
               <a:solidFill>
                 <a:schemeClr val="accent1"/>
               </a:solidFill>
@@ -7805,45 +8187,65 @@
           </a:fontRef>
         </p:style>
       </p:sp>
-      <p:pic>
-        <p:nvPicPr>
-          <p:cNvPr id="5" name="Контейнер за съдържание 4" descr="Картина, която съдържа Уебсайт&#10;&#10;Описанието е генерирано автоматично">
+      <p:sp>
+        <p:nvSpPr>
+          <p:cNvPr id="3" name="Контейнер за съдържание 2">
             <a:extLst>
               <a:ext uri="{FF2B5EF4-FFF2-40B4-BE49-F238E27FC236}">
-                <a16:creationId xmlns:a16="http://schemas.microsoft.com/office/drawing/2014/main" id="{5B055D27-B259-CB3A-B140-BE2018D142B1}"/>
+                <a16:creationId xmlns:a16="http://schemas.microsoft.com/office/drawing/2014/main" id="{62A128F6-E901-661C-1F19-FE7F6764AA48}"/>
               </a:ext>
             </a:extLst>
           </p:cNvPr>
-          <p:cNvPicPr>
-            <a:picLocks noGrp="1" noChangeAspect="1"/>
-          </p:cNvPicPr>
+          <p:cNvSpPr>
+            <a:spLocks noGrp="1"/>
+          </p:cNvSpPr>
           <p:nvPr>
             <p:ph idx="1"/>
           </p:nvPr>
-        </p:nvPicPr>
-        <p:blipFill>
-          <a:blip r:embed="rId2">
-            <a:extLst>
-              <a:ext uri="{28A0092B-C50C-407E-A947-70E740481C1C}">
-                <a14:useLocalDpi xmlns:a14="http://schemas.microsoft.com/office/drawing/2010/main" val="0"/>
-              </a:ext>
-            </a:extLst>
-          </a:blip>
-          <a:stretch>
-            <a:fillRect/>
-          </a:stretch>
-        </p:blipFill>
-        <p:spPr>
-          <a:xfrm>
-            <a:off x="0" y="0"/>
-            <a:ext cx="12184026" cy="5860026"/>
-          </a:xfrm>
-        </p:spPr>
-      </p:pic>
+        </p:nvSpPr>
+        <p:spPr>
+          <a:xfrm>
+            <a:off x="5117586" y="1124998"/>
+            <a:ext cx="6143248" cy="4608003"/>
+          </a:xfrm>
+        </p:spPr>
+        <p:txBody>
+          <a:bodyPr>
+            <a:normAutofit/>
+          </a:bodyPr>
+          <a:lstStyle/>
+          <a:p>
+            <a:r>
+              <a:rPr lang="en-US" sz="2000" dirty="0"/>
+              <a:t>Link 1: </a:t>
+            </a:r>
+            <a:r>
+              <a:rPr lang="en-US" sz="2000" cap="none" dirty="0">
+                <a:hlinkClick r:id="rId2"/>
+              </a:rPr>
+              <a:t>https://kristiyanpts.github.io/chatApp/</a:t>
+            </a:r>
+            <a:endParaRPr lang="en-US" sz="2000" cap="none" dirty="0"/>
+          </a:p>
+          <a:p>
+            <a:r>
+              <a:rPr lang="en-US" sz="2000" dirty="0"/>
+              <a:t>Link 2: </a:t>
+            </a:r>
+            <a:r>
+              <a:rPr lang="en-US" sz="2000" dirty="0">
+                <a:hlinkClick r:id="rId3"/>
+              </a:rPr>
+              <a:t>https://chat-app-22f2e.web.app/</a:t>
+            </a:r>
+            <a:endParaRPr lang="bg-BG" sz="2000" dirty="0"/>
+          </a:p>
+        </p:txBody>
+      </p:sp>
     </p:spTree>
     <p:extLst>
       <p:ext uri="{BB962C8B-B14F-4D97-AF65-F5344CB8AC3E}">
-        <p14:creationId xmlns:p14="http://schemas.microsoft.com/office/powerpoint/2010/main" val="2245032067"/>
+        <p14:creationId xmlns:p14="http://schemas.microsoft.com/office/powerpoint/2010/main" val="3000065678"/>
       </p:ext>
     </p:extLst>
   </p:cSld>
@@ -7880,7 +8282,7 @@
       </p:grpSpPr>
       <p:sp useBgFill="1">
         <p:nvSpPr>
-          <p:cNvPr id="9" name="Rectangle 8">
+          <p:cNvPr id="8" name="Rectangle 7">
             <a:extLst>
               <a:ext uri="{FF2B5EF4-FFF2-40B4-BE49-F238E27FC236}">
                 <a16:creationId xmlns:a16="http://schemas.microsoft.com/office/drawing/2014/main" id="{9B6B47BF-F3D0-4678-9B20-DA45E1BCAD6C}"/>
@@ -7956,8 +8358,8 @@
         </p:nvSpPr>
         <p:spPr>
           <a:xfrm>
-            <a:off x="-3" y="5857500"/>
-            <a:ext cx="12192001" cy="1009389"/>
+            <a:off x="-7974" y="5860025"/>
+            <a:ext cx="12192000" cy="997975"/>
           </a:xfrm>
         </p:spPr>
         <p:txBody>
@@ -7973,7 +8375,7 @@
                   <a:schemeClr val="accent1"/>
                 </a:solidFill>
               </a:rPr>
-              <a:t>App overview – About Page</a:t>
+              <a:t>App overview – Home Page</a:t>
             </a:r>
             <a:endParaRPr lang="bg-BG" sz="4000" dirty="0">
               <a:solidFill>
@@ -7985,7 +8387,7 @@
       </p:sp>
       <p:sp>
         <p:nvSpPr>
-          <p:cNvPr id="11" name="Rectangle 10">
+          <p:cNvPr id="10" name="Rectangle 9">
             <a:extLst>
               <a:ext uri="{FF2B5EF4-FFF2-40B4-BE49-F238E27FC236}">
                 <a16:creationId xmlns:a16="http://schemas.microsoft.com/office/drawing/2014/main" id="{19334917-3673-4EF2-BA7C-CC83AEEEAE37}"/>
@@ -8039,7 +8441,7 @@
       </p:sp>
       <p:sp>
         <p:nvSpPr>
-          <p:cNvPr id="13" name="Rectangle 12">
+          <p:cNvPr id="12" name="Rectangle 11">
             <a:extLst>
               <a:ext uri="{FF2B5EF4-FFF2-40B4-BE49-F238E27FC236}">
                 <a16:creationId xmlns:a16="http://schemas.microsoft.com/office/drawing/2014/main" id="{E1589AE1-C0FC-4B66-9C0D-9EB92F40F440}"/>
@@ -8093,10 +8495,10 @@
       </p:sp>
       <p:pic>
         <p:nvPicPr>
-          <p:cNvPr id="7" name="Контейнер за съдържание 6">
+          <p:cNvPr id="5" name="Контейнер за съдържание 4" descr="Картина, която съдържа Уебсайт&#10;&#10;Описанието е генерирано автоматично">
             <a:extLst>
               <a:ext uri="{FF2B5EF4-FFF2-40B4-BE49-F238E27FC236}">
-                <a16:creationId xmlns:a16="http://schemas.microsoft.com/office/drawing/2014/main" id="{7C994CAE-89EC-ADF4-7211-312561AC49EE}"/>
+                <a16:creationId xmlns:a16="http://schemas.microsoft.com/office/drawing/2014/main" id="{5B055D27-B259-CB3A-B140-BE2018D142B1}"/>
               </a:ext>
             </a:extLst>
           </p:cNvPr>
@@ -8121,15 +8523,15 @@
         </p:blipFill>
         <p:spPr>
           <a:xfrm>
-            <a:off x="-1" y="0"/>
-            <a:ext cx="12191999" cy="5857501"/>
+            <a:off x="0" y="0"/>
+            <a:ext cx="12184026" cy="5860026"/>
           </a:xfrm>
         </p:spPr>
       </p:pic>
     </p:spTree>
     <p:extLst>
       <p:ext uri="{BB962C8B-B14F-4D97-AF65-F5344CB8AC3E}">
-        <p14:creationId xmlns:p14="http://schemas.microsoft.com/office/powerpoint/2010/main" val="2401592074"/>
+        <p14:creationId xmlns:p14="http://schemas.microsoft.com/office/powerpoint/2010/main" val="2245032067"/>
       </p:ext>
     </p:extLst>
   </p:cSld>
@@ -8166,7 +8568,7 @@
       </p:grpSpPr>
       <p:sp useBgFill="1">
         <p:nvSpPr>
-          <p:cNvPr id="8" name="Rectangle 7">
+          <p:cNvPr id="9" name="Rectangle 8">
             <a:extLst>
               <a:ext uri="{FF2B5EF4-FFF2-40B4-BE49-F238E27FC236}">
                 <a16:creationId xmlns:a16="http://schemas.microsoft.com/office/drawing/2014/main" id="{9B6B47BF-F3D0-4678-9B20-DA45E1BCAD6C}"/>
@@ -8226,7 +8628,52 @@
       </p:sp>
       <p:sp>
         <p:nvSpPr>
-          <p:cNvPr id="10" name="Rectangle 9">
+          <p:cNvPr id="2" name="Заглавие 1">
+            <a:extLst>
+              <a:ext uri="{FF2B5EF4-FFF2-40B4-BE49-F238E27FC236}">
+                <a16:creationId xmlns:a16="http://schemas.microsoft.com/office/drawing/2014/main" id="{ED7D7EB6-5EC6-1D68-1CD1-B5CCBDD7450D}"/>
+              </a:ext>
+            </a:extLst>
+          </p:cNvPr>
+          <p:cNvSpPr>
+            <a:spLocks noGrp="1"/>
+          </p:cNvSpPr>
+          <p:nvPr>
+            <p:ph type="title"/>
+          </p:nvPr>
+        </p:nvSpPr>
+        <p:spPr>
+          <a:xfrm>
+            <a:off x="-3" y="5857500"/>
+            <a:ext cx="12192001" cy="1009389"/>
+          </a:xfrm>
+        </p:spPr>
+        <p:txBody>
+          <a:bodyPr anchor="ctr">
+            <a:normAutofit/>
+          </a:bodyPr>
+          <a:lstStyle/>
+          <a:p>
+            <a:pPr algn="ctr"/>
+            <a:r>
+              <a:rPr lang="en-US" sz="4000" dirty="0">
+                <a:solidFill>
+                  <a:schemeClr val="accent1"/>
+                </a:solidFill>
+              </a:rPr>
+              <a:t>App overview – About Page</a:t>
+            </a:r>
+            <a:endParaRPr lang="bg-BG" sz="4000" dirty="0">
+              <a:solidFill>
+                <a:schemeClr val="accent1"/>
+              </a:solidFill>
+            </a:endParaRPr>
+          </a:p>
+        </p:txBody>
+      </p:sp>
+      <p:sp>
+        <p:nvSpPr>
+          <p:cNvPr id="11" name="Rectangle 10">
             <a:extLst>
               <a:ext uri="{FF2B5EF4-FFF2-40B4-BE49-F238E27FC236}">
                 <a16:creationId xmlns:a16="http://schemas.microsoft.com/office/drawing/2014/main" id="{19334917-3673-4EF2-BA7C-CC83AEEEAE37}"/>
@@ -8280,7 +8727,7 @@
       </p:sp>
       <p:sp>
         <p:nvSpPr>
-          <p:cNvPr id="12" name="Rectangle 11">
+          <p:cNvPr id="13" name="Rectangle 12">
             <a:extLst>
               <a:ext uri="{FF2B5EF4-FFF2-40B4-BE49-F238E27FC236}">
                 <a16:creationId xmlns:a16="http://schemas.microsoft.com/office/drawing/2014/main" id="{E1589AE1-C0FC-4B66-9C0D-9EB92F40F440}"/>
@@ -8334,10 +8781,10 @@
       </p:sp>
       <p:pic>
         <p:nvPicPr>
-          <p:cNvPr id="5" name="Контейнер за съдържание 4" descr="Картина, която съдържа Уебсайт&#10;&#10;Описанието е генерирано автоматично">
+          <p:cNvPr id="7" name="Контейнер за съдържание 6">
             <a:extLst>
               <a:ext uri="{FF2B5EF4-FFF2-40B4-BE49-F238E27FC236}">
-                <a16:creationId xmlns:a16="http://schemas.microsoft.com/office/drawing/2014/main" id="{32B703E7-6D99-A4F0-5B8B-F06D95FEDEDE}"/>
+                <a16:creationId xmlns:a16="http://schemas.microsoft.com/office/drawing/2014/main" id="{7C994CAE-89EC-ADF4-7211-312561AC49EE}"/>
               </a:ext>
             </a:extLst>
           </p:cNvPr>
@@ -8362,60 +8809,15 @@
         </p:blipFill>
         <p:spPr>
           <a:xfrm>
-            <a:off x="0" y="0"/>
-            <a:ext cx="12192000" cy="6080116"/>
+            <a:off x="-1" y="0"/>
+            <a:ext cx="12191999" cy="5857501"/>
           </a:xfrm>
         </p:spPr>
       </p:pic>
-      <p:sp>
-        <p:nvSpPr>
-          <p:cNvPr id="6" name="Заглавие 1">
-            <a:extLst>
-              <a:ext uri="{FF2B5EF4-FFF2-40B4-BE49-F238E27FC236}">
-                <a16:creationId xmlns:a16="http://schemas.microsoft.com/office/drawing/2014/main" id="{6C83030D-4ABE-ACDC-6C23-76BB4C877BA7}"/>
-              </a:ext>
-            </a:extLst>
-          </p:cNvPr>
-          <p:cNvSpPr>
-            <a:spLocks noGrp="1"/>
-          </p:cNvSpPr>
-          <p:nvPr>
-            <p:ph type="title"/>
-          </p:nvPr>
-        </p:nvSpPr>
-        <p:spPr>
-          <a:xfrm>
-            <a:off x="-3" y="6080116"/>
-            <a:ext cx="12192001" cy="786773"/>
-          </a:xfrm>
-        </p:spPr>
-        <p:txBody>
-          <a:bodyPr anchor="ctr">
-            <a:normAutofit/>
-          </a:bodyPr>
-          <a:lstStyle/>
-          <a:p>
-            <a:pPr algn="ctr"/>
-            <a:r>
-              <a:rPr lang="en-US" sz="4000" dirty="0">
-                <a:solidFill>
-                  <a:schemeClr val="accent1"/>
-                </a:solidFill>
-              </a:rPr>
-              <a:t>App overview – Sign In Page</a:t>
-            </a:r>
-            <a:endParaRPr lang="bg-BG" sz="4000" dirty="0">
-              <a:solidFill>
-                <a:schemeClr val="accent1"/>
-              </a:solidFill>
-            </a:endParaRPr>
-          </a:p>
-        </p:txBody>
-      </p:sp>
     </p:spTree>
     <p:extLst>
       <p:ext uri="{BB962C8B-B14F-4D97-AF65-F5344CB8AC3E}">
-        <p14:creationId xmlns:p14="http://schemas.microsoft.com/office/powerpoint/2010/main" val="2136139016"/>
+        <p14:creationId xmlns:p14="http://schemas.microsoft.com/office/powerpoint/2010/main" val="2401592074"/>
       </p:ext>
     </p:extLst>
   </p:cSld>
@@ -8620,10 +9022,10 @@
       </p:sp>
       <p:pic>
         <p:nvPicPr>
-          <p:cNvPr id="5" name="Контейнер за съдържание 4">
+          <p:cNvPr id="5" name="Контейнер за съдържание 4" descr="Картина, която съдържа Уебсайт&#10;&#10;Описанието е генерирано автоматично">
             <a:extLst>
               <a:ext uri="{FF2B5EF4-FFF2-40B4-BE49-F238E27FC236}">
-                <a16:creationId xmlns:a16="http://schemas.microsoft.com/office/drawing/2014/main" id="{A3EFE327-E618-4CAD-F383-CF8A8D8A95BD}"/>
+                <a16:creationId xmlns:a16="http://schemas.microsoft.com/office/drawing/2014/main" id="{32B703E7-6D99-A4F0-5B8B-F06D95FEDEDE}"/>
               </a:ext>
             </a:extLst>
           </p:cNvPr>
@@ -8649,7 +9051,7 @@
         <p:spPr>
           <a:xfrm>
             <a:off x="0" y="0"/>
-            <a:ext cx="12192000" cy="6118236"/>
+            <a:ext cx="12192000" cy="6080116"/>
           </a:xfrm>
         </p:spPr>
       </p:pic>
@@ -8658,7 +9060,7 @@
           <p:cNvPr id="6" name="Заглавие 1">
             <a:extLst>
               <a:ext uri="{FF2B5EF4-FFF2-40B4-BE49-F238E27FC236}">
-                <a16:creationId xmlns:a16="http://schemas.microsoft.com/office/drawing/2014/main" id="{99385F10-2B63-BD64-0BF5-C23D013A2043}"/>
+                <a16:creationId xmlns:a16="http://schemas.microsoft.com/office/drawing/2014/main" id="{6C83030D-4ABE-ACDC-6C23-76BB4C877BA7}"/>
               </a:ext>
             </a:extLst>
           </p:cNvPr>
@@ -8671,8 +9073,8 @@
         </p:nvSpPr>
         <p:spPr>
           <a:xfrm>
-            <a:off x="-3" y="6118236"/>
-            <a:ext cx="12192001" cy="748653"/>
+            <a:off x="-3" y="6080116"/>
+            <a:ext cx="12192001" cy="786773"/>
           </a:xfrm>
         </p:spPr>
         <p:txBody>
@@ -8688,7 +9090,7 @@
                   <a:schemeClr val="accent1"/>
                 </a:solidFill>
               </a:rPr>
-              <a:t>App overview – Register Page</a:t>
+              <a:t>App overview – Sign In Page</a:t>
             </a:r>
             <a:endParaRPr lang="bg-BG" sz="4000" dirty="0">
               <a:solidFill>
@@ -8701,7 +9103,7 @@
     </p:spTree>
     <p:extLst>
       <p:ext uri="{BB962C8B-B14F-4D97-AF65-F5344CB8AC3E}">
-        <p14:creationId xmlns:p14="http://schemas.microsoft.com/office/powerpoint/2010/main" val="3434070913"/>
+        <p14:creationId xmlns:p14="http://schemas.microsoft.com/office/powerpoint/2010/main" val="2136139016"/>
       </p:ext>
     </p:extLst>
   </p:cSld>
